--- a/assets/lectures/cshl/2018/RNASeq_Module1_Tutorial.pptx
+++ b/assets/lectures/cshl/2018/RNASeq_Module1_Tutorial.pptx
@@ -274,7 +274,7 @@
               <a:pPr>
                 <a:defRPr/>
               </a:pPr>
-              <a:t>11/12/18</a:t>
+              <a:t>11/13/18</a:t>
             </a:fld>
             <a:endParaRPr lang="en-US"/>
           </a:p>
@@ -481,7 +481,7 @@
               <a:pPr>
                 <a:defRPr/>
               </a:pPr>
-              <a:t>11/12/18</a:t>
+              <a:t>11/13/18</a:t>
             </a:fld>
             <a:endParaRPr lang="en-US"/>
           </a:p>
@@ -4695,7 +4695,7 @@
               <a:pPr>
                 <a:defRPr/>
               </a:pPr>
-              <a:t>11/12/18</a:t>
+              <a:t>11/13/18</a:t>
             </a:fld>
             <a:endParaRPr lang="en-US"/>
           </a:p>
@@ -6986,12 +6986,47 @@
               <a:defRPr/>
             </a:pPr>
             <a:r>
-              <a:rPr lang="en-US" sz="1600" dirty="0" smtClean="0">
+              <a:rPr lang="en-US" sz="1600" dirty="0" err="1">
                 <a:latin typeface="Calibri"/>
-                <a:ea typeface="+mj-ea"/>
                 <a:cs typeface="Calibri"/>
               </a:rPr>
-              <a:t>Malachi Griffith, Obi Griffith, Jason Walker, Alex Wagner</a:t>
+              <a:t>Kelsy</a:t>
+            </a:r>
+            <a:r>
+              <a:rPr lang="en-US" sz="1600" dirty="0">
+                <a:latin typeface="Calibri"/>
+                <a:cs typeface="Calibri"/>
+              </a:rPr>
+              <a:t> </a:t>
+            </a:r>
+            <a:r>
+              <a:rPr lang="en-US" sz="1600" dirty="0" err="1">
+                <a:latin typeface="Calibri"/>
+                <a:cs typeface="Calibri"/>
+              </a:rPr>
+              <a:t>Cotto</a:t>
+            </a:r>
+            <a:r>
+              <a:rPr lang="en-US" sz="1600" dirty="0">
+                <a:latin typeface="Calibri"/>
+                <a:cs typeface="Calibri"/>
+              </a:rPr>
+              <a:t>, Obi Griffith, Malachi Griffith, </a:t>
+            </a:r>
+          </a:p>
+          <a:p>
+            <a:pPr fontAlgn="auto">
+              <a:spcAft>
+                <a:spcPts val="0"/>
+              </a:spcAft>
+              <a:defRPr/>
+            </a:pPr>
+            <a:r>
+              <a:rPr lang="en-US" sz="1600" dirty="0">
+                <a:latin typeface="Calibri"/>
+                <a:cs typeface="Calibri"/>
+              </a:rPr>
+              <a:t>Alex Wagner, Jason Walker</a:t>
             </a:r>
           </a:p>
           <a:p>
@@ -7026,7 +7061,7 @@
               <a:defRPr/>
             </a:pPr>
             <a:r>
-              <a:rPr lang="en-US" sz="1400" dirty="0">
+              <a:rPr lang="en-US" sz="1400">
                 <a:ln w="1270">
                   <a:solidFill>
                     <a:schemeClr val="tx1">
@@ -7035,72 +7070,11 @@
                   </a:solidFill>
                 </a:ln>
                 <a:latin typeface="Calibri"/>
-                <a:ea typeface="+mn-ea"/>
                 <a:cs typeface="Calibri"/>
               </a:rPr>
-              <a:t>November </a:t>
-            </a:r>
-            <a:r>
-              <a:rPr lang="en-US" sz="1400" dirty="0" smtClean="0">
-                <a:ln w="1270">
-                  <a:solidFill>
-                    <a:schemeClr val="tx1">
-                      <a:alpha val="38000"/>
-                    </a:schemeClr>
-                  </a:solidFill>
-                </a:ln>
-                <a:latin typeface="Calibri"/>
-                <a:ea typeface="+mn-ea"/>
-                <a:cs typeface="Calibri"/>
-              </a:rPr>
-              <a:t>5 </a:t>
-            </a:r>
-            <a:r>
-              <a:rPr lang="en-US" sz="1400" dirty="0">
-                <a:ln w="1270">
-                  <a:solidFill>
-                    <a:schemeClr val="tx1">
-                      <a:alpha val="38000"/>
-                    </a:schemeClr>
-                  </a:solidFill>
-                </a:ln>
-                <a:latin typeface="Calibri"/>
-                <a:ea typeface="+mn-ea"/>
-                <a:cs typeface="Calibri"/>
-              </a:rPr>
-              <a:t>- </a:t>
-            </a:r>
-            <a:r>
-              <a:rPr lang="en-US" sz="1400" dirty="0" smtClean="0">
-                <a:ln w="1270">
-                  <a:solidFill>
-                    <a:schemeClr val="tx1">
-                      <a:alpha val="38000"/>
-                    </a:schemeClr>
-                  </a:solidFill>
-                </a:ln>
-                <a:latin typeface="Calibri"/>
-                <a:ea typeface="+mn-ea"/>
-                <a:cs typeface="Calibri"/>
-              </a:rPr>
-              <a:t>18, </a:t>
-            </a:r>
-            <a:r>
-              <a:rPr lang="en-US" sz="1400" dirty="0" smtClean="0">
-                <a:ln w="1270">
-                  <a:solidFill>
-                    <a:schemeClr val="tx1">
-                      <a:alpha val="38000"/>
-                    </a:schemeClr>
-                  </a:solidFill>
-                </a:ln>
-                <a:latin typeface="Calibri"/>
-                <a:ea typeface="+mn-ea"/>
-                <a:cs typeface="Calibri"/>
-              </a:rPr>
-              <a:t>2018</a:t>
-            </a:r>
-            <a:endParaRPr lang="en-US" sz="1400" dirty="0" smtClean="0">
+              <a:t>November 6- 18, 2018</a:t>
+            </a:r>
+            <a:endParaRPr lang="en-US" sz="1400" dirty="0">
               <a:ln w="1270">
                 <a:solidFill>
                   <a:schemeClr val="tx1">
@@ -7109,7 +7083,6 @@
                 </a:solidFill>
               </a:ln>
               <a:latin typeface="Calibri"/>
-              <a:ea typeface="+mn-ea"/>
               <a:cs typeface="Calibri"/>
             </a:endParaRPr>
           </a:p>
